--- a/ppts/Week2-1d Generate your own dataset (basic_gendataset).pptx
+++ b/ppts/Week2-1d Generate your own dataset (basic_gendataset).pptx
@@ -5,16 +5,19 @@
     <p:sldMasterId id="2147483648" r:id="rId1"/>
   </p:sldMasterIdLst>
   <p:notesMasterIdLst>
-    <p:notesMasterId r:id="rId9"/>
+    <p:notesMasterId r:id="rId12"/>
   </p:notesMasterIdLst>
   <p:sldIdLst>
     <p:sldId id="645" r:id="rId2"/>
-    <p:sldId id="646" r:id="rId3"/>
-    <p:sldId id="647" r:id="rId4"/>
-    <p:sldId id="648" r:id="rId5"/>
-    <p:sldId id="649" r:id="rId6"/>
-    <p:sldId id="650" r:id="rId7"/>
-    <p:sldId id="651" r:id="rId8"/>
+    <p:sldId id="652" r:id="rId3"/>
+    <p:sldId id="653" r:id="rId4"/>
+    <p:sldId id="656" r:id="rId5"/>
+    <p:sldId id="657" r:id="rId6"/>
+    <p:sldId id="658" r:id="rId7"/>
+    <p:sldId id="659" r:id="rId8"/>
+    <p:sldId id="660" r:id="rId9"/>
+    <p:sldId id="661" r:id="rId10"/>
+    <p:sldId id="654" r:id="rId11"/>
   </p:sldIdLst>
   <p:sldSz cx="9144000" cy="6858000" type="screen4x3"/>
   <p:notesSz cx="6858000" cy="9144000"/>
@@ -215,7 +218,7 @@
             <a:fld id="{E9CA654E-EBD9-4CE9-AAD0-9BCA047E2E1D}" type="datetimeFigureOut">
               <a:rPr lang="ko-KR" altLang="en-US" smtClean="0"/>
               <a:pPr/>
-              <a:t>2016. 6. 23.</a:t>
+              <a:t>2016. 8. 13.</a:t>
             </a:fld>
             <a:endParaRPr lang="ko-KR" altLang="en-US"/>
           </a:p>
@@ -595,7 +598,7 @@
                 <a:ea typeface="Meiryo UI" pitchFamily="34" charset="-128"/>
               </a:rPr>
               <a:pPr/>
-              <a:t>Thursday, June 23, 2016</a:t>
+              <a:t>Saturday, August 13, 2016</a:t>
             </a:fld>
             <a:endParaRPr lang="ko-KR" altLang="en-US" dirty="0"/>
           </a:p>
@@ -727,7 +730,7 @@
             <a:fld id="{33A0F7CB-10CC-4FA0-AAB7-60557755851D}" type="datetime1">
               <a:rPr lang="ko-KR" altLang="en-US" smtClean="0"/>
               <a:pPr/>
-              <a:t>2016. 6. 23.</a:t>
+              <a:t>2016. 8. 13.</a:t>
             </a:fld>
             <a:endParaRPr lang="ko-KR" altLang="en-US"/>
           </a:p>
@@ -904,7 +907,7 @@
             <a:fld id="{2072E3B2-398D-43A2-9FF0-A5DC47D85F0F}" type="datetime1">
               <a:rPr lang="ko-KR" altLang="en-US" smtClean="0"/>
               <a:pPr/>
-              <a:t>2016. 6. 23.</a:t>
+              <a:t>2016. 8. 13.</a:t>
             </a:fld>
             <a:endParaRPr lang="ko-KR" altLang="en-US"/>
           </a:p>
@@ -1418,7 +1421,7 @@
             <a:fld id="{DAC76C8D-0C64-468D-9E07-BA112BE10A5A}" type="datetime1">
               <a:rPr lang="ko-KR" altLang="en-US" smtClean="0"/>
               <a:pPr/>
-              <a:t>2016. 6. 23.</a:t>
+              <a:t>2016. 8. 13.</a:t>
             </a:fld>
             <a:endParaRPr lang="ko-KR" altLang="en-US"/>
           </a:p>
@@ -1708,7 +1711,7 @@
             <a:fld id="{ABCA1450-90AE-4591-9DA4-2F2C0E29B421}" type="datetime1">
               <a:rPr lang="ko-KR" altLang="en-US" smtClean="0"/>
               <a:pPr/>
-              <a:t>2016. 6. 23.</a:t>
+              <a:t>2016. 8. 13.</a:t>
             </a:fld>
             <a:endParaRPr lang="ko-KR" altLang="en-US"/>
           </a:p>
@@ -2134,7 +2137,7 @@
             <a:fld id="{3170F9C2-910D-48E9-A1D4-06EE9E8CCF11}" type="datetime1">
               <a:rPr lang="ko-KR" altLang="en-US" smtClean="0"/>
               <a:pPr/>
-              <a:t>2016. 6. 23.</a:t>
+              <a:t>2016. 8. 13.</a:t>
             </a:fld>
             <a:endParaRPr lang="ko-KR" altLang="en-US"/>
           </a:p>
@@ -2421,7 +2424,7 @@
             <a:fld id="{0A2BF0E3-3B49-48EE-8E65-6F6B7B05A3E6}" type="datetime1">
               <a:rPr lang="ko-KR" altLang="en-US" smtClean="0"/>
               <a:pPr/>
-              <a:t>2016. 6. 23.</a:t>
+              <a:t>2016. 8. 13.</a:t>
             </a:fld>
             <a:endParaRPr lang="ko-KR" altLang="en-US"/>
           </a:p>
@@ -2695,7 +2698,7 @@
             <a:fld id="{D56EDD30-A8D5-4E8F-A388-D7F8914E7797}" type="datetime1">
               <a:rPr lang="ko-KR" altLang="en-US" smtClean="0"/>
               <a:pPr/>
-              <a:t>2016. 6. 23.</a:t>
+              <a:t>2016. 8. 13.</a:t>
             </a:fld>
             <a:endParaRPr lang="ko-KR" altLang="en-US"/>
           </a:p>
@@ -2945,7 +2948,7 @@
             <a:fld id="{BA001FBA-5EDF-4611-9FD5-552C72983771}" type="datetime1">
               <a:rPr lang="ko-KR" altLang="en-US" smtClean="0"/>
               <a:pPr/>
-              <a:t>2016. 6. 23.</a:t>
+              <a:t>2016. 8. 13.</a:t>
             </a:fld>
             <a:endParaRPr lang="ko-KR" altLang="en-US"/>
           </a:p>
@@ -3155,7 +3158,7 @@
             <a:fld id="{1E3DD4C6-1DC2-4462-9A2C-36CF4FD257E7}" type="datetime1">
               <a:rPr lang="ko-KR" altLang="en-US" smtClean="0"/>
               <a:pPr/>
-              <a:t>2016. 6. 23.</a:t>
+              <a:t>2016. 8. 13.</a:t>
             </a:fld>
             <a:endParaRPr lang="ko-KR" altLang="en-US"/>
           </a:p>
@@ -3601,7 +3604,7 @@
 </p:sld>
 </file>
 
-<file path=ppt/slides/slide2.xml><?xml version="1.0" encoding="utf-8"?>
+<file path=ppt/slides/slide10.xml><?xml version="1.0" encoding="utf-8"?>
 <p:sld xmlns:a="http://schemas.openxmlformats.org/drawingml/2006/main" xmlns:r="http://schemas.openxmlformats.org/officeDocument/2006/relationships" xmlns:p="http://schemas.openxmlformats.org/presentationml/2006/main">
   <p:cSld>
     <p:spTree>
@@ -3618,60 +3621,15 @@
           <a:chExt cx="0" cy="0"/>
         </a:xfrm>
       </p:grpSpPr>
-      <p:sp>
-        <p:nvSpPr>
-          <p:cNvPr id="3" name="제목 2"/>
-          <p:cNvSpPr>
-            <a:spLocks noGrp="1"/>
-          </p:cNvSpPr>
-          <p:nvPr>
-            <p:ph type="title"/>
-          </p:nvPr>
-        </p:nvSpPr>
-        <p:spPr/>
-        <p:txBody>
-          <a:bodyPr/>
-          <a:lstStyle/>
-          <a:p>
-            <a:r>
-              <a:rPr lang="en-US" altLang="ko-KR" dirty="0" smtClean="0"/>
-              <a:t>Packages</a:t>
-            </a:r>
-            <a:endParaRPr lang="ko-KR" altLang="en-US" dirty="0"/>
-          </a:p>
-        </p:txBody>
-      </p:sp>
-      <p:sp>
-        <p:nvSpPr>
-          <p:cNvPr id="4" name="슬라이드 번호 개체 틀 3"/>
-          <p:cNvSpPr>
-            <a:spLocks noGrp="1"/>
-          </p:cNvSpPr>
-          <p:nvPr>
-            <p:ph type="sldNum" sz="quarter" idx="12"/>
-          </p:nvPr>
-        </p:nvSpPr>
-        <p:spPr/>
-        <p:txBody>
-          <a:bodyPr/>
-          <a:lstStyle/>
-          <a:p>
-            <a:fld id="{4CA1D5AE-3018-49FC-B3E0-A1E0E9567469}" type="slidenum">
-              <a:rPr lang="ko-KR" altLang="en-US" smtClean="0"/>
-              <a:pPr/>
-              <a:t>2</a:t>
-            </a:fld>
-            <a:endParaRPr lang="ko-KR" altLang="en-US"/>
-          </a:p>
-        </p:txBody>
-      </p:sp>
       <p:pic>
         <p:nvPicPr>
-          <p:cNvPr id="2" name="그림 1"/>
+          <p:cNvPr id="3" name="내용 개체 틀 2"/>
           <p:cNvPicPr>
-            <a:picLocks noChangeAspect="1"/>
+            <a:picLocks noGrp="1" noChangeAspect="1"/>
           </p:cNvPicPr>
-          <p:nvPr/>
+          <p:nvPr>
+            <p:ph idx="1"/>
+          </p:nvPr>
         </p:nvPicPr>
         <p:blipFill>
           <a:blip r:embed="rId2"/>
@@ -3681,8 +3639,56 @@
         </p:blipFill>
         <p:spPr>
           <a:xfrm>
-            <a:off x="476250" y="1143000"/>
-            <a:ext cx="8191500" cy="4572000"/>
+            <a:off x="323850" y="744819"/>
+            <a:ext cx="8496300" cy="5368362"/>
+          </a:xfrm>
+          <a:prstGeom prst="rect">
+            <a:avLst/>
+          </a:prstGeom>
+        </p:spPr>
+      </p:pic>
+      <p:sp>
+        <p:nvSpPr>
+          <p:cNvPr id="4" name="슬라이드 번호 개체 틀 3"/>
+          <p:cNvSpPr>
+            <a:spLocks noGrp="1"/>
+          </p:cNvSpPr>
+          <p:nvPr>
+            <p:ph type="sldNum" sz="quarter" idx="12"/>
+          </p:nvPr>
+        </p:nvSpPr>
+        <p:spPr/>
+        <p:txBody>
+          <a:bodyPr/>
+          <a:lstStyle/>
+          <a:p>
+            <a:fld id="{4CA1D5AE-3018-49FC-B3E0-A1E0E9567469}" type="slidenum">
+              <a:rPr lang="ko-KR" altLang="en-US" smtClean="0"/>
+              <a:pPr/>
+              <a:t>10</a:t>
+            </a:fld>
+            <a:endParaRPr lang="ko-KR" altLang="en-US"/>
+          </a:p>
+        </p:txBody>
+      </p:sp>
+      <p:pic>
+        <p:nvPicPr>
+          <p:cNvPr id="5" name="그림 4"/>
+          <p:cNvPicPr>
+            <a:picLocks noChangeAspect="1"/>
+          </p:cNvPicPr>
+          <p:nvPr/>
+        </p:nvPicPr>
+        <p:blipFill>
+          <a:blip r:embed="rId3"/>
+          <a:stretch>
+            <a:fillRect/>
+          </a:stretch>
+        </p:blipFill>
+        <p:spPr>
+          <a:xfrm>
+            <a:off x="5782097" y="0"/>
+            <a:ext cx="2534319" cy="6858000"/>
           </a:xfrm>
           <a:prstGeom prst="rect">
             <a:avLst/>
@@ -3692,191 +3698,7 @@
     </p:spTree>
     <p:extLst>
       <p:ext uri="{BB962C8B-B14F-4D97-AF65-F5344CB8AC3E}">
-        <p14:creationId xmlns:p14="http://schemas.microsoft.com/office/powerpoint/2010/main" val="74265055"/>
-      </p:ext>
-    </p:extLst>
-  </p:cSld>
-  <p:clrMapOvr>
-    <a:masterClrMapping/>
-  </p:clrMapOvr>
-  <p:timing>
-    <p:tnLst>
-      <p:par>
-        <p:cTn id="1" dur="indefinite" restart="never" nodeType="tmRoot">
-          <p:childTnLst>
-            <p:seq concurrent="1" nextAc="seek">
-              <p:cTn id="2" dur="indefinite" nodeType="mainSeq">
-                <p:childTnLst>
-                  <p:par>
-                    <p:cTn id="3" fill="hold">
-                      <p:stCondLst>
-                        <p:cond delay="indefinite"/>
-                      </p:stCondLst>
-                      <p:childTnLst>
-                        <p:par>
-                          <p:cTn id="4" fill="hold">
-                            <p:stCondLst>
-                              <p:cond delay="0"/>
-                            </p:stCondLst>
-                            <p:childTnLst>
-                              <p:par>
-                                <p:cTn id="5" presetID="5" presetClass="entr" presetSubtype="10" fill="hold" nodeType="clickEffect">
-                                  <p:stCondLst>
-                                    <p:cond delay="0"/>
-                                  </p:stCondLst>
-                                  <p:childTnLst>
-                                    <p:set>
-                                      <p:cBhvr>
-                                        <p:cTn id="6" dur="1" fill="hold">
-                                          <p:stCondLst>
-                                            <p:cond delay="0"/>
-                                          </p:stCondLst>
-                                        </p:cTn>
-                                        <p:tgtEl>
-                                          <p:spTgt spid="2"/>
-                                        </p:tgtEl>
-                                        <p:attrNameLst>
-                                          <p:attrName>style.visibility</p:attrName>
-                                        </p:attrNameLst>
-                                      </p:cBhvr>
-                                      <p:to>
-                                        <p:strVal val="visible"/>
-                                      </p:to>
-                                    </p:set>
-                                    <p:animEffect transition="in" filter="checkerboard(across)">
-                                      <p:cBhvr>
-                                        <p:cTn id="7" dur="500"/>
-                                        <p:tgtEl>
-                                          <p:spTgt spid="2"/>
-                                        </p:tgtEl>
-                                      </p:cBhvr>
-                                    </p:animEffect>
-                                  </p:childTnLst>
-                                </p:cTn>
-                              </p:par>
-                            </p:childTnLst>
-                          </p:cTn>
-                        </p:par>
-                      </p:childTnLst>
-                    </p:cTn>
-                  </p:par>
-                </p:childTnLst>
-              </p:cTn>
-              <p:prevCondLst>
-                <p:cond evt="onPrev" delay="0">
-                  <p:tgtEl>
-                    <p:sldTgt/>
-                  </p:tgtEl>
-                </p:cond>
-              </p:prevCondLst>
-              <p:nextCondLst>
-                <p:cond evt="onNext" delay="0">
-                  <p:tgtEl>
-                    <p:sldTgt/>
-                  </p:tgtEl>
-                </p:cond>
-              </p:nextCondLst>
-            </p:seq>
-          </p:childTnLst>
-        </p:cTn>
-      </p:par>
-    </p:tnLst>
-  </p:timing>
-</p:sld>
-</file>
-
-<file path=ppt/slides/slide3.xml><?xml version="1.0" encoding="utf-8"?>
-<p:sld xmlns:a="http://schemas.openxmlformats.org/drawingml/2006/main" xmlns:r="http://schemas.openxmlformats.org/officeDocument/2006/relationships" xmlns:p="http://schemas.openxmlformats.org/presentationml/2006/main">
-  <p:cSld>
-    <p:spTree>
-      <p:nvGrpSpPr>
-        <p:cNvPr id="1" name=""/>
-        <p:cNvGrpSpPr/>
-        <p:nvPr/>
-      </p:nvGrpSpPr>
-      <p:grpSpPr>
-        <a:xfrm>
-          <a:off x="0" y="0"/>
-          <a:ext cx="0" cy="0"/>
-          <a:chOff x="0" y="0"/>
-          <a:chExt cx="0" cy="0"/>
-        </a:xfrm>
-      </p:grpSpPr>
-      <p:sp>
-        <p:nvSpPr>
-          <p:cNvPr id="3" name="제목 2"/>
-          <p:cNvSpPr>
-            <a:spLocks noGrp="1"/>
-          </p:cNvSpPr>
-          <p:nvPr>
-            <p:ph type="title"/>
-          </p:nvPr>
-        </p:nvSpPr>
-        <p:spPr/>
-        <p:txBody>
-          <a:bodyPr/>
-          <a:lstStyle/>
-          <a:p>
-            <a:r>
-              <a:rPr kumimoji="1" lang="en-US" altLang="ko-KR" dirty="0" smtClean="0"/>
-              <a:t>Specify where images are</a:t>
-            </a:r>
-            <a:endParaRPr kumimoji="1" lang="ko-KR" altLang="en-US" dirty="0"/>
-          </a:p>
-        </p:txBody>
-      </p:sp>
-      <p:sp>
-        <p:nvSpPr>
-          <p:cNvPr id="4" name="슬라이드 번호 개체 틀 3"/>
-          <p:cNvSpPr>
-            <a:spLocks noGrp="1"/>
-          </p:cNvSpPr>
-          <p:nvPr>
-            <p:ph type="sldNum" sz="quarter" idx="12"/>
-          </p:nvPr>
-        </p:nvSpPr>
-        <p:spPr/>
-        <p:txBody>
-          <a:bodyPr/>
-          <a:lstStyle/>
-          <a:p>
-            <a:fld id="{4CA1D5AE-3018-49FC-B3E0-A1E0E9567469}" type="slidenum">
-              <a:rPr lang="ko-KR" altLang="en-US" smtClean="0"/>
-              <a:pPr/>
-              <a:t>3</a:t>
-            </a:fld>
-            <a:endParaRPr lang="ko-KR" altLang="en-US"/>
-          </a:p>
-        </p:txBody>
-      </p:sp>
-      <p:pic>
-        <p:nvPicPr>
-          <p:cNvPr id="5" name="그림 4"/>
-          <p:cNvPicPr>
-            <a:picLocks noChangeAspect="1"/>
-          </p:cNvPicPr>
-          <p:nvPr/>
-        </p:nvPicPr>
-        <p:blipFill>
-          <a:blip r:embed="rId2"/>
-          <a:stretch>
-            <a:fillRect/>
-          </a:stretch>
-        </p:blipFill>
-        <p:spPr>
-          <a:xfrm>
-            <a:off x="444500" y="2082800"/>
-            <a:ext cx="8255000" cy="2692400"/>
-          </a:xfrm>
-          <a:prstGeom prst="rect">
-            <a:avLst/>
-          </a:prstGeom>
-        </p:spPr>
-      </p:pic>
-    </p:spTree>
-    <p:extLst>
-      <p:ext uri="{BB962C8B-B14F-4D97-AF65-F5344CB8AC3E}">
-        <p14:creationId xmlns:p14="http://schemas.microsoft.com/office/powerpoint/2010/main" val="1676898904"/>
+        <p14:creationId xmlns:p14="http://schemas.microsoft.com/office/powerpoint/2010/main" val="744521436"/>
       </p:ext>
     </p:extLst>
   </p:cSld>
@@ -3969,6 +3791,180 @@
 </p:sld>
 </file>
 
+<file path=ppt/slides/slide2.xml><?xml version="1.0" encoding="utf-8"?>
+<p:sld xmlns:a="http://schemas.openxmlformats.org/drawingml/2006/main" xmlns:r="http://schemas.openxmlformats.org/officeDocument/2006/relationships" xmlns:p="http://schemas.openxmlformats.org/presentationml/2006/main">
+  <p:cSld>
+    <p:spTree>
+      <p:nvGrpSpPr>
+        <p:cNvPr id="1" name=""/>
+        <p:cNvGrpSpPr/>
+        <p:nvPr/>
+      </p:nvGrpSpPr>
+      <p:grpSpPr>
+        <a:xfrm>
+          <a:off x="0" y="0"/>
+          <a:ext cx="0" cy="0"/>
+          <a:chOff x="0" y="0"/>
+          <a:chExt cx="0" cy="0"/>
+        </a:xfrm>
+      </p:grpSpPr>
+      <p:pic>
+        <p:nvPicPr>
+          <p:cNvPr id="5" name="내용 개체 틀 4"/>
+          <p:cNvPicPr>
+            <a:picLocks noGrp="1" noChangeAspect="1"/>
+          </p:cNvPicPr>
+          <p:nvPr>
+            <p:ph idx="1"/>
+          </p:nvPr>
+        </p:nvPicPr>
+        <p:blipFill>
+          <a:blip r:embed="rId2"/>
+          <a:stretch>
+            <a:fillRect/>
+          </a:stretch>
+        </p:blipFill>
+        <p:spPr>
+          <a:xfrm>
+            <a:off x="323850" y="1084757"/>
+            <a:ext cx="8496300" cy="4648499"/>
+          </a:xfrm>
+          <a:prstGeom prst="rect">
+            <a:avLst/>
+          </a:prstGeom>
+        </p:spPr>
+      </p:pic>
+      <p:sp>
+        <p:nvSpPr>
+          <p:cNvPr id="4" name="슬라이드 번호 개체 틀 3"/>
+          <p:cNvSpPr>
+            <a:spLocks noGrp="1"/>
+          </p:cNvSpPr>
+          <p:nvPr>
+            <p:ph type="sldNum" sz="quarter" idx="12"/>
+          </p:nvPr>
+        </p:nvSpPr>
+        <p:spPr/>
+        <p:txBody>
+          <a:bodyPr/>
+          <a:lstStyle/>
+          <a:p>
+            <a:fld id="{4CA1D5AE-3018-49FC-B3E0-A1E0E9567469}" type="slidenum">
+              <a:rPr lang="ko-KR" altLang="en-US" smtClean="0"/>
+              <a:pPr/>
+              <a:t>2</a:t>
+            </a:fld>
+            <a:endParaRPr lang="ko-KR" altLang="en-US"/>
+          </a:p>
+        </p:txBody>
+      </p:sp>
+    </p:spTree>
+    <p:extLst>
+      <p:ext uri="{BB962C8B-B14F-4D97-AF65-F5344CB8AC3E}">
+        <p14:creationId xmlns:p14="http://schemas.microsoft.com/office/powerpoint/2010/main" val="1607966927"/>
+      </p:ext>
+    </p:extLst>
+  </p:cSld>
+  <p:clrMapOvr>
+    <a:masterClrMapping/>
+  </p:clrMapOvr>
+  <p:timing>
+    <p:tnLst>
+      <p:par>
+        <p:cTn id="1" dur="indefinite" restart="never" nodeType="tmRoot"/>
+      </p:par>
+    </p:tnLst>
+  </p:timing>
+</p:sld>
+</file>
+
+<file path=ppt/slides/slide3.xml><?xml version="1.0" encoding="utf-8"?>
+<p:sld xmlns:a="http://schemas.openxmlformats.org/drawingml/2006/main" xmlns:r="http://schemas.openxmlformats.org/officeDocument/2006/relationships" xmlns:p="http://schemas.openxmlformats.org/presentationml/2006/main">
+  <p:cSld>
+    <p:spTree>
+      <p:nvGrpSpPr>
+        <p:cNvPr id="1" name=""/>
+        <p:cNvGrpSpPr/>
+        <p:nvPr/>
+      </p:nvGrpSpPr>
+      <p:grpSpPr>
+        <a:xfrm>
+          <a:off x="0" y="0"/>
+          <a:ext cx="0" cy="0"/>
+          <a:chOff x="0" y="0"/>
+          <a:chExt cx="0" cy="0"/>
+        </a:xfrm>
+      </p:grpSpPr>
+      <p:pic>
+        <p:nvPicPr>
+          <p:cNvPr id="5" name="내용 개체 틀 4"/>
+          <p:cNvPicPr>
+            <a:picLocks noGrp="1" noChangeAspect="1"/>
+          </p:cNvPicPr>
+          <p:nvPr>
+            <p:ph idx="1"/>
+          </p:nvPr>
+        </p:nvPicPr>
+        <p:blipFill>
+          <a:blip r:embed="rId2"/>
+          <a:stretch>
+            <a:fillRect/>
+          </a:stretch>
+        </p:blipFill>
+        <p:spPr>
+          <a:xfrm>
+            <a:off x="323850" y="984126"/>
+            <a:ext cx="8496300" cy="4889747"/>
+          </a:xfrm>
+          <a:prstGeom prst="rect">
+            <a:avLst/>
+          </a:prstGeom>
+        </p:spPr>
+      </p:pic>
+      <p:sp>
+        <p:nvSpPr>
+          <p:cNvPr id="4" name="슬라이드 번호 개체 틀 3"/>
+          <p:cNvSpPr>
+            <a:spLocks noGrp="1"/>
+          </p:cNvSpPr>
+          <p:nvPr>
+            <p:ph type="sldNum" sz="quarter" idx="12"/>
+          </p:nvPr>
+        </p:nvSpPr>
+        <p:spPr/>
+        <p:txBody>
+          <a:bodyPr/>
+          <a:lstStyle/>
+          <a:p>
+            <a:fld id="{4CA1D5AE-3018-49FC-B3E0-A1E0E9567469}" type="slidenum">
+              <a:rPr lang="ko-KR" altLang="en-US" smtClean="0"/>
+              <a:pPr/>
+              <a:t>3</a:t>
+            </a:fld>
+            <a:endParaRPr lang="ko-KR" altLang="en-US"/>
+          </a:p>
+        </p:txBody>
+      </p:sp>
+    </p:spTree>
+    <p:extLst>
+      <p:ext uri="{BB962C8B-B14F-4D97-AF65-F5344CB8AC3E}">
+        <p14:creationId xmlns:p14="http://schemas.microsoft.com/office/powerpoint/2010/main" val="1371096069"/>
+      </p:ext>
+    </p:extLst>
+  </p:cSld>
+  <p:clrMapOvr>
+    <a:masterClrMapping/>
+  </p:clrMapOvr>
+  <p:timing>
+    <p:tnLst>
+      <p:par>
+        <p:cTn id="1" dur="indefinite" restart="never" nodeType="tmRoot"/>
+      </p:par>
+    </p:tnLst>
+  </p:timing>
+</p:sld>
+</file>
+
 <file path=ppt/slides/slide4.xml><?xml version="1.0" encoding="utf-8"?>
 <p:sld xmlns:a="http://schemas.openxmlformats.org/drawingml/2006/main" xmlns:r="http://schemas.openxmlformats.org/officeDocument/2006/relationships" xmlns:p="http://schemas.openxmlformats.org/presentationml/2006/main">
   <p:cSld>
@@ -3986,14 +3982,40 @@
           <a:chExt cx="0" cy="0"/>
         </a:xfrm>
       </p:grpSpPr>
-      <p:sp>
-        <p:nvSpPr>
-          <p:cNvPr id="3" name="제목 2"/>
-          <p:cNvSpPr>
-            <a:spLocks noGrp="1"/>
-          </p:cNvSpPr>
-          <p:nvPr>
-            <p:ph type="title"/>
+      <p:pic>
+        <p:nvPicPr>
+          <p:cNvPr id="3" name="내용 개체 틀 2"/>
+          <p:cNvPicPr>
+            <a:picLocks noGrp="1" noChangeAspect="1"/>
+          </p:cNvPicPr>
+          <p:nvPr>
+            <p:ph idx="1"/>
+          </p:nvPr>
+        </p:nvPicPr>
+        <p:blipFill>
+          <a:blip r:embed="rId2"/>
+          <a:stretch>
+            <a:fillRect/>
+          </a:stretch>
+        </p:blipFill>
+        <p:spPr>
+          <a:xfrm>
+            <a:off x="323850" y="1941198"/>
+            <a:ext cx="8496300" cy="2975604"/>
+          </a:xfrm>
+          <a:prstGeom prst="rect">
+            <a:avLst/>
+          </a:prstGeom>
+        </p:spPr>
+      </p:pic>
+      <p:sp>
+        <p:nvSpPr>
+          <p:cNvPr id="4" name="슬라이드 번호 개체 틀 3"/>
+          <p:cNvSpPr>
+            <a:spLocks noGrp="1"/>
+          </p:cNvSpPr>
+          <p:nvPr>
+            <p:ph type="sldNum" sz="quarter" idx="12"/>
           </p:nvPr>
         </p:nvSpPr>
         <p:spPr/>
@@ -4001,14 +4023,78 @@
           <a:bodyPr/>
           <a:lstStyle/>
           <a:p>
-            <a:r>
-              <a:rPr kumimoji="1" lang="en-US" altLang="ko-KR" dirty="0" smtClean="0"/>
-              <a:t>Check images</a:t>
-            </a:r>
-            <a:endParaRPr kumimoji="1" lang="ko-KR" altLang="en-US" dirty="0"/>
-          </a:p>
-        </p:txBody>
-      </p:sp>
+            <a:fld id="{4CA1D5AE-3018-49FC-B3E0-A1E0E9567469}" type="slidenum">
+              <a:rPr lang="ko-KR" altLang="en-US" smtClean="0"/>
+              <a:pPr/>
+              <a:t>4</a:t>
+            </a:fld>
+            <a:endParaRPr lang="ko-KR" altLang="en-US"/>
+          </a:p>
+        </p:txBody>
+      </p:sp>
+    </p:spTree>
+    <p:extLst>
+      <p:ext uri="{BB962C8B-B14F-4D97-AF65-F5344CB8AC3E}">
+        <p14:creationId xmlns:p14="http://schemas.microsoft.com/office/powerpoint/2010/main" val="1830803357"/>
+      </p:ext>
+    </p:extLst>
+  </p:cSld>
+  <p:clrMapOvr>
+    <a:masterClrMapping/>
+  </p:clrMapOvr>
+  <p:timing>
+    <p:tnLst>
+      <p:par>
+        <p:cTn id="1" dur="indefinite" restart="never" nodeType="tmRoot"/>
+      </p:par>
+    </p:tnLst>
+  </p:timing>
+</p:sld>
+</file>
+
+<file path=ppt/slides/slide5.xml><?xml version="1.0" encoding="utf-8"?>
+<p:sld xmlns:a="http://schemas.openxmlformats.org/drawingml/2006/main" xmlns:r="http://schemas.openxmlformats.org/officeDocument/2006/relationships" xmlns:p="http://schemas.openxmlformats.org/presentationml/2006/main">
+  <p:cSld>
+    <p:spTree>
+      <p:nvGrpSpPr>
+        <p:cNvPr id="1" name=""/>
+        <p:cNvGrpSpPr/>
+        <p:nvPr/>
+      </p:nvGrpSpPr>
+      <p:grpSpPr>
+        <a:xfrm>
+          <a:off x="0" y="0"/>
+          <a:ext cx="0" cy="0"/>
+          <a:chOff x="0" y="0"/>
+          <a:chExt cx="0" cy="0"/>
+        </a:xfrm>
+      </p:grpSpPr>
+      <p:pic>
+        <p:nvPicPr>
+          <p:cNvPr id="5" name="내용 개체 틀 4"/>
+          <p:cNvPicPr>
+            <a:picLocks noGrp="1" noChangeAspect="1"/>
+          </p:cNvPicPr>
+          <p:nvPr>
+            <p:ph idx="1"/>
+          </p:nvPr>
+        </p:nvPicPr>
+        <p:blipFill>
+          <a:blip r:embed="rId2"/>
+          <a:stretch>
+            <a:fillRect/>
+          </a:stretch>
+        </p:blipFill>
+        <p:spPr>
+          <a:xfrm>
+            <a:off x="1071529" y="476250"/>
+            <a:ext cx="7000941" cy="5905500"/>
+          </a:xfrm>
+          <a:prstGeom prst="rect">
+            <a:avLst/>
+          </a:prstGeom>
+        </p:spPr>
+      </p:pic>
       <p:sp>
         <p:nvSpPr>
           <p:cNvPr id="4" name="슬라이드 번호 개체 틀 3"/>
@@ -4027,7 +4113,355 @@
             <a:fld id="{4CA1D5AE-3018-49FC-B3E0-A1E0E9567469}" type="slidenum">
               <a:rPr lang="ko-KR" altLang="en-US" smtClean="0"/>
               <a:pPr/>
-              <a:t>4</a:t>
+              <a:t>5</a:t>
+            </a:fld>
+            <a:endParaRPr lang="ko-KR" altLang="en-US"/>
+          </a:p>
+        </p:txBody>
+      </p:sp>
+    </p:spTree>
+    <p:extLst>
+      <p:ext uri="{BB962C8B-B14F-4D97-AF65-F5344CB8AC3E}">
+        <p14:creationId xmlns:p14="http://schemas.microsoft.com/office/powerpoint/2010/main" val="1166326883"/>
+      </p:ext>
+    </p:extLst>
+  </p:cSld>
+  <p:clrMapOvr>
+    <a:masterClrMapping/>
+  </p:clrMapOvr>
+  <p:timing>
+    <p:tnLst>
+      <p:par>
+        <p:cTn id="1" dur="indefinite" restart="never" nodeType="tmRoot"/>
+      </p:par>
+    </p:tnLst>
+  </p:timing>
+</p:sld>
+</file>
+
+<file path=ppt/slides/slide6.xml><?xml version="1.0" encoding="utf-8"?>
+<p:sld xmlns:a="http://schemas.openxmlformats.org/drawingml/2006/main" xmlns:r="http://schemas.openxmlformats.org/officeDocument/2006/relationships" xmlns:p="http://schemas.openxmlformats.org/presentationml/2006/main">
+  <p:cSld>
+    <p:spTree>
+      <p:nvGrpSpPr>
+        <p:cNvPr id="1" name=""/>
+        <p:cNvGrpSpPr/>
+        <p:nvPr/>
+      </p:nvGrpSpPr>
+      <p:grpSpPr>
+        <a:xfrm>
+          <a:off x="0" y="0"/>
+          <a:ext cx="0" cy="0"/>
+          <a:chOff x="0" y="0"/>
+          <a:chExt cx="0" cy="0"/>
+        </a:xfrm>
+      </p:grpSpPr>
+      <p:pic>
+        <p:nvPicPr>
+          <p:cNvPr id="3" name="내용 개체 틀 2"/>
+          <p:cNvPicPr>
+            <a:picLocks noGrp="1" noChangeAspect="1"/>
+          </p:cNvPicPr>
+          <p:nvPr>
+            <p:ph idx="1"/>
+          </p:nvPr>
+        </p:nvPicPr>
+        <p:blipFill>
+          <a:blip r:embed="rId2"/>
+          <a:stretch>
+            <a:fillRect/>
+          </a:stretch>
+        </p:blipFill>
+        <p:spPr>
+          <a:xfrm>
+            <a:off x="323850" y="945782"/>
+            <a:ext cx="8496300" cy="4966436"/>
+          </a:xfrm>
+          <a:prstGeom prst="rect">
+            <a:avLst/>
+          </a:prstGeom>
+        </p:spPr>
+      </p:pic>
+      <p:sp>
+        <p:nvSpPr>
+          <p:cNvPr id="4" name="슬라이드 번호 개체 틀 3"/>
+          <p:cNvSpPr>
+            <a:spLocks noGrp="1"/>
+          </p:cNvSpPr>
+          <p:nvPr>
+            <p:ph type="sldNum" sz="quarter" idx="12"/>
+          </p:nvPr>
+        </p:nvSpPr>
+        <p:spPr/>
+        <p:txBody>
+          <a:bodyPr/>
+          <a:lstStyle/>
+          <a:p>
+            <a:fld id="{4CA1D5AE-3018-49FC-B3E0-A1E0E9567469}" type="slidenum">
+              <a:rPr lang="ko-KR" altLang="en-US" smtClean="0"/>
+              <a:pPr/>
+              <a:t>6</a:t>
+            </a:fld>
+            <a:endParaRPr lang="ko-KR" altLang="en-US"/>
+          </a:p>
+        </p:txBody>
+      </p:sp>
+    </p:spTree>
+    <p:extLst>
+      <p:ext uri="{BB962C8B-B14F-4D97-AF65-F5344CB8AC3E}">
+        <p14:creationId xmlns:p14="http://schemas.microsoft.com/office/powerpoint/2010/main" val="225192765"/>
+      </p:ext>
+    </p:extLst>
+  </p:cSld>
+  <p:clrMapOvr>
+    <a:masterClrMapping/>
+  </p:clrMapOvr>
+  <p:timing>
+    <p:tnLst>
+      <p:par>
+        <p:cTn id="1" dur="indefinite" restart="never" nodeType="tmRoot"/>
+      </p:par>
+    </p:tnLst>
+  </p:timing>
+</p:sld>
+</file>
+
+<file path=ppt/slides/slide7.xml><?xml version="1.0" encoding="utf-8"?>
+<p:sld xmlns:a="http://schemas.openxmlformats.org/drawingml/2006/main" xmlns:r="http://schemas.openxmlformats.org/officeDocument/2006/relationships" xmlns:p="http://schemas.openxmlformats.org/presentationml/2006/main">
+  <p:cSld>
+    <p:spTree>
+      <p:nvGrpSpPr>
+        <p:cNvPr id="1" name=""/>
+        <p:cNvGrpSpPr/>
+        <p:nvPr/>
+      </p:nvGrpSpPr>
+      <p:grpSpPr>
+        <a:xfrm>
+          <a:off x="0" y="0"/>
+          <a:ext cx="0" cy="0"/>
+          <a:chOff x="0" y="0"/>
+          <a:chExt cx="0" cy="0"/>
+        </a:xfrm>
+      </p:grpSpPr>
+      <p:pic>
+        <p:nvPicPr>
+          <p:cNvPr id="3" name="내용 개체 틀 2"/>
+          <p:cNvPicPr>
+            <a:picLocks noGrp="1" noChangeAspect="1"/>
+          </p:cNvPicPr>
+          <p:nvPr>
+            <p:ph idx="1"/>
+          </p:nvPr>
+        </p:nvPicPr>
+        <p:blipFill>
+          <a:blip r:embed="rId2"/>
+          <a:stretch>
+            <a:fillRect/>
+          </a:stretch>
+        </p:blipFill>
+        <p:spPr>
+          <a:xfrm>
+            <a:off x="323850" y="2078633"/>
+            <a:ext cx="8496300" cy="2700733"/>
+          </a:xfrm>
+          <a:prstGeom prst="rect">
+            <a:avLst/>
+          </a:prstGeom>
+        </p:spPr>
+      </p:pic>
+      <p:sp>
+        <p:nvSpPr>
+          <p:cNvPr id="4" name="슬라이드 번호 개체 틀 3"/>
+          <p:cNvSpPr>
+            <a:spLocks noGrp="1"/>
+          </p:cNvSpPr>
+          <p:nvPr>
+            <p:ph type="sldNum" sz="quarter" idx="12"/>
+          </p:nvPr>
+        </p:nvSpPr>
+        <p:spPr/>
+        <p:txBody>
+          <a:bodyPr/>
+          <a:lstStyle/>
+          <a:p>
+            <a:fld id="{4CA1D5AE-3018-49FC-B3E0-A1E0E9567469}" type="slidenum">
+              <a:rPr lang="ko-KR" altLang="en-US" smtClean="0"/>
+              <a:pPr/>
+              <a:t>7</a:t>
+            </a:fld>
+            <a:endParaRPr lang="ko-KR" altLang="en-US"/>
+          </a:p>
+        </p:txBody>
+      </p:sp>
+    </p:spTree>
+    <p:extLst>
+      <p:ext uri="{BB962C8B-B14F-4D97-AF65-F5344CB8AC3E}">
+        <p14:creationId xmlns:p14="http://schemas.microsoft.com/office/powerpoint/2010/main" val="1269963552"/>
+      </p:ext>
+    </p:extLst>
+  </p:cSld>
+  <p:clrMapOvr>
+    <a:masterClrMapping/>
+  </p:clrMapOvr>
+  <p:timing>
+    <p:tnLst>
+      <p:par>
+        <p:cTn id="1" dur="indefinite" restart="never" nodeType="tmRoot"/>
+      </p:par>
+    </p:tnLst>
+  </p:timing>
+</p:sld>
+</file>
+
+<file path=ppt/slides/slide8.xml><?xml version="1.0" encoding="utf-8"?>
+<p:sld xmlns:a="http://schemas.openxmlformats.org/drawingml/2006/main" xmlns:r="http://schemas.openxmlformats.org/officeDocument/2006/relationships" xmlns:p="http://schemas.openxmlformats.org/presentationml/2006/main">
+  <p:cSld>
+    <p:spTree>
+      <p:nvGrpSpPr>
+        <p:cNvPr id="1" name=""/>
+        <p:cNvGrpSpPr/>
+        <p:nvPr/>
+      </p:nvGrpSpPr>
+      <p:grpSpPr>
+        <a:xfrm>
+          <a:off x="0" y="0"/>
+          <a:ext cx="0" cy="0"/>
+          <a:chOff x="0" y="0"/>
+          <a:chExt cx="0" cy="0"/>
+        </a:xfrm>
+      </p:grpSpPr>
+      <p:pic>
+        <p:nvPicPr>
+          <p:cNvPr id="3" name="내용 개체 틀 2"/>
+          <p:cNvPicPr>
+            <a:picLocks noGrp="1" noChangeAspect="1"/>
+          </p:cNvPicPr>
+          <p:nvPr>
+            <p:ph idx="1"/>
+          </p:nvPr>
+        </p:nvPicPr>
+        <p:blipFill>
+          <a:blip r:embed="rId2"/>
+          <a:stretch>
+            <a:fillRect/>
+          </a:stretch>
+        </p:blipFill>
+        <p:spPr>
+          <a:xfrm>
+            <a:off x="323850" y="727984"/>
+            <a:ext cx="8496300" cy="5402032"/>
+          </a:xfrm>
+          <a:prstGeom prst="rect">
+            <a:avLst/>
+          </a:prstGeom>
+        </p:spPr>
+      </p:pic>
+      <p:sp>
+        <p:nvSpPr>
+          <p:cNvPr id="4" name="슬라이드 번호 개체 틀 3"/>
+          <p:cNvSpPr>
+            <a:spLocks noGrp="1"/>
+          </p:cNvSpPr>
+          <p:nvPr>
+            <p:ph type="sldNum" sz="quarter" idx="12"/>
+          </p:nvPr>
+        </p:nvSpPr>
+        <p:spPr/>
+        <p:txBody>
+          <a:bodyPr/>
+          <a:lstStyle/>
+          <a:p>
+            <a:fld id="{4CA1D5AE-3018-49FC-B3E0-A1E0E9567469}" type="slidenum">
+              <a:rPr lang="ko-KR" altLang="en-US" smtClean="0"/>
+              <a:pPr/>
+              <a:t>8</a:t>
+            </a:fld>
+            <a:endParaRPr lang="ko-KR" altLang="en-US"/>
+          </a:p>
+        </p:txBody>
+      </p:sp>
+    </p:spTree>
+    <p:extLst>
+      <p:ext uri="{BB962C8B-B14F-4D97-AF65-F5344CB8AC3E}">
+        <p14:creationId xmlns:p14="http://schemas.microsoft.com/office/powerpoint/2010/main" val="437450931"/>
+      </p:ext>
+    </p:extLst>
+  </p:cSld>
+  <p:clrMapOvr>
+    <a:masterClrMapping/>
+  </p:clrMapOvr>
+  <p:timing>
+    <p:tnLst>
+      <p:par>
+        <p:cTn id="1" dur="indefinite" restart="never" nodeType="tmRoot"/>
+      </p:par>
+    </p:tnLst>
+  </p:timing>
+</p:sld>
+</file>
+
+<file path=ppt/slides/slide9.xml><?xml version="1.0" encoding="utf-8"?>
+<p:sld xmlns:a="http://schemas.openxmlformats.org/drawingml/2006/main" xmlns:r="http://schemas.openxmlformats.org/officeDocument/2006/relationships" xmlns:p="http://schemas.openxmlformats.org/presentationml/2006/main">
+  <p:cSld>
+    <p:spTree>
+      <p:nvGrpSpPr>
+        <p:cNvPr id="1" name=""/>
+        <p:cNvGrpSpPr/>
+        <p:nvPr/>
+      </p:nvGrpSpPr>
+      <p:grpSpPr>
+        <a:xfrm>
+          <a:off x="0" y="0"/>
+          <a:ext cx="0" cy="0"/>
+          <a:chOff x="0" y="0"/>
+          <a:chExt cx="0" cy="0"/>
+        </a:xfrm>
+      </p:grpSpPr>
+      <p:pic>
+        <p:nvPicPr>
+          <p:cNvPr id="3" name="내용 개체 틀 2"/>
+          <p:cNvPicPr>
+            <a:picLocks noGrp="1" noChangeAspect="1"/>
+          </p:cNvPicPr>
+          <p:nvPr>
+            <p:ph idx="1"/>
+          </p:nvPr>
+        </p:nvPicPr>
+        <p:blipFill>
+          <a:blip r:embed="rId2"/>
+          <a:stretch>
+            <a:fillRect/>
+          </a:stretch>
+        </p:blipFill>
+        <p:spPr>
+          <a:xfrm>
+            <a:off x="323850" y="1165047"/>
+            <a:ext cx="8496300" cy="4527906"/>
+          </a:xfrm>
+          <a:prstGeom prst="rect">
+            <a:avLst/>
+          </a:prstGeom>
+        </p:spPr>
+      </p:pic>
+      <p:sp>
+        <p:nvSpPr>
+          <p:cNvPr id="4" name="슬라이드 번호 개체 틀 3"/>
+          <p:cNvSpPr>
+            <a:spLocks noGrp="1"/>
+          </p:cNvSpPr>
+          <p:nvPr>
+            <p:ph type="sldNum" sz="quarter" idx="12"/>
+          </p:nvPr>
+        </p:nvSpPr>
+        <p:spPr/>
+        <p:txBody>
+          <a:bodyPr/>
+          <a:lstStyle/>
+          <a:p>
+            <a:fld id="{4CA1D5AE-3018-49FC-B3E0-A1E0E9567469}" type="slidenum">
+              <a:rPr lang="ko-KR" altLang="en-US" smtClean="0"/>
+              <a:pPr/>
+              <a:t>9</a:t>
             </a:fld>
             <a:endParaRPr lang="ko-KR" altLang="en-US"/>
           </a:p>
@@ -4042,190 +4476,25 @@
           <p:nvPr/>
         </p:nvPicPr>
         <p:blipFill>
-          <a:blip r:embed="rId2"/>
+          <a:blip r:embed="rId3"/>
           <a:stretch>
             <a:fillRect/>
           </a:stretch>
         </p:blipFill>
         <p:spPr>
           <a:xfrm>
-            <a:off x="1305550" y="987458"/>
-            <a:ext cx="6650826" cy="5825918"/>
+            <a:off x="5531896" y="0"/>
+            <a:ext cx="2496488" cy="6858000"/>
           </a:xfrm>
           <a:prstGeom prst="rect">
             <a:avLst/>
           </a:prstGeom>
         </p:spPr>
       </p:pic>
-      <p:sp>
-        <p:nvSpPr>
-          <p:cNvPr id="2" name="직사각형 1"/>
-          <p:cNvSpPr/>
-          <p:nvPr/>
-        </p:nvSpPr>
-        <p:spPr>
-          <a:xfrm>
-            <a:off x="1403648" y="2132856"/>
-            <a:ext cx="4464496" cy="216024"/>
-          </a:xfrm>
-          <a:prstGeom prst="rect">
-            <a:avLst/>
-          </a:prstGeom>
-          <a:noFill/>
-          <a:ln w="28575">
-            <a:solidFill>
-              <a:srgbClr val="FF0000"/>
-            </a:solidFill>
-          </a:ln>
-        </p:spPr>
-        <p:style>
-          <a:lnRef idx="2">
-            <a:schemeClr val="accent1">
-              <a:shade val="50000"/>
-            </a:schemeClr>
-          </a:lnRef>
-          <a:fillRef idx="1">
-            <a:schemeClr val="accent1"/>
-          </a:fillRef>
-          <a:effectRef idx="0">
-            <a:schemeClr val="accent1"/>
-          </a:effectRef>
-          <a:fontRef idx="minor">
-            <a:schemeClr val="lt1"/>
-          </a:fontRef>
-        </p:style>
-        <p:txBody>
-          <a:bodyPr rot="0" spcFirstLastPara="0" vertOverflow="overflow" horzOverflow="overflow" vert="horz" wrap="square" lIns="91440" tIns="45720" rIns="91440" bIns="45720" numCol="1" spcCol="0" rtlCol="0" fromWordArt="0" anchor="ctr" anchorCtr="0" forceAA="0" compatLnSpc="1">
-            <a:prstTxWarp prst="textNoShape">
-              <a:avLst/>
-            </a:prstTxWarp>
-            <a:noAutofit/>
-          </a:bodyPr>
-          <a:lstStyle/>
-          <a:p>
-            <a:pPr algn="ctr"/>
-            <a:endParaRPr kumimoji="1" lang="ko-KR" altLang="en-US" dirty="0" smtClean="0">
-              <a:solidFill>
-                <a:schemeClr val="tx1"/>
-              </a:solidFill>
-            </a:endParaRPr>
-          </a:p>
-        </p:txBody>
-      </p:sp>
-      <p:sp>
-        <p:nvSpPr>
-          <p:cNvPr id="6" name="직사각형 5"/>
-          <p:cNvSpPr/>
-          <p:nvPr/>
-        </p:nvSpPr>
-        <p:spPr>
-          <a:xfrm>
-            <a:off x="1691680" y="2996952"/>
-            <a:ext cx="2520280" cy="216024"/>
-          </a:xfrm>
-          <a:prstGeom prst="rect">
-            <a:avLst/>
-          </a:prstGeom>
-          <a:noFill/>
-          <a:ln w="28575">
-            <a:solidFill>
-              <a:srgbClr val="FF0000"/>
-            </a:solidFill>
-          </a:ln>
-        </p:spPr>
-        <p:style>
-          <a:lnRef idx="2">
-            <a:schemeClr val="accent1">
-              <a:shade val="50000"/>
-            </a:schemeClr>
-          </a:lnRef>
-          <a:fillRef idx="1">
-            <a:schemeClr val="accent1"/>
-          </a:fillRef>
-          <a:effectRef idx="0">
-            <a:schemeClr val="accent1"/>
-          </a:effectRef>
-          <a:fontRef idx="minor">
-            <a:schemeClr val="lt1"/>
-          </a:fontRef>
-        </p:style>
-        <p:txBody>
-          <a:bodyPr rot="0" spcFirstLastPara="0" vertOverflow="overflow" horzOverflow="overflow" vert="horz" wrap="square" lIns="91440" tIns="45720" rIns="91440" bIns="45720" numCol="1" spcCol="0" rtlCol="0" fromWordArt="0" anchor="ctr" anchorCtr="0" forceAA="0" compatLnSpc="1">
-            <a:prstTxWarp prst="textNoShape">
-              <a:avLst/>
-            </a:prstTxWarp>
-            <a:noAutofit/>
-          </a:bodyPr>
-          <a:lstStyle/>
-          <a:p>
-            <a:pPr algn="ctr"/>
-            <a:endParaRPr kumimoji="1" lang="ko-KR" altLang="en-US" dirty="0" smtClean="0">
-              <a:solidFill>
-                <a:schemeClr val="tx1"/>
-              </a:solidFill>
-            </a:endParaRPr>
-          </a:p>
-        </p:txBody>
-      </p:sp>
-      <p:sp>
-        <p:nvSpPr>
-          <p:cNvPr id="7" name="직사각형 6"/>
-          <p:cNvSpPr/>
-          <p:nvPr/>
-        </p:nvSpPr>
-        <p:spPr>
-          <a:xfrm>
-            <a:off x="1667617" y="4941168"/>
-            <a:ext cx="1368152" cy="216024"/>
-          </a:xfrm>
-          <a:prstGeom prst="rect">
-            <a:avLst/>
-          </a:prstGeom>
-          <a:noFill/>
-          <a:ln w="28575">
-            <a:solidFill>
-              <a:srgbClr val="FF0000"/>
-            </a:solidFill>
-          </a:ln>
-        </p:spPr>
-        <p:style>
-          <a:lnRef idx="2">
-            <a:schemeClr val="accent1">
-              <a:shade val="50000"/>
-            </a:schemeClr>
-          </a:lnRef>
-          <a:fillRef idx="1">
-            <a:schemeClr val="accent1"/>
-          </a:fillRef>
-          <a:effectRef idx="0">
-            <a:schemeClr val="accent1"/>
-          </a:effectRef>
-          <a:fontRef idx="minor">
-            <a:schemeClr val="lt1"/>
-          </a:fontRef>
-        </p:style>
-        <p:txBody>
-          <a:bodyPr rot="0" spcFirstLastPara="0" vertOverflow="overflow" horzOverflow="overflow" vert="horz" wrap="square" lIns="91440" tIns="45720" rIns="91440" bIns="45720" numCol="1" spcCol="0" rtlCol="0" fromWordArt="0" anchor="ctr" anchorCtr="0" forceAA="0" compatLnSpc="1">
-            <a:prstTxWarp prst="textNoShape">
-              <a:avLst/>
-            </a:prstTxWarp>
-            <a:noAutofit/>
-          </a:bodyPr>
-          <a:lstStyle/>
-          <a:p>
-            <a:pPr algn="ctr"/>
-            <a:endParaRPr kumimoji="1" lang="ko-KR" altLang="en-US" dirty="0" smtClean="0">
-              <a:solidFill>
-                <a:schemeClr val="tx1"/>
-              </a:solidFill>
-            </a:endParaRPr>
-          </a:p>
-        </p:txBody>
-      </p:sp>
     </p:spTree>
     <p:extLst>
       <p:ext uri="{BB962C8B-B14F-4D97-AF65-F5344CB8AC3E}">
-        <p14:creationId xmlns:p14="http://schemas.microsoft.com/office/powerpoint/2010/main" val="14047366"/>
+        <p14:creationId xmlns:p14="http://schemas.microsoft.com/office/powerpoint/2010/main" val="1401273636"/>
       </p:ext>
     </p:extLst>
   </p:cSld>
@@ -4279,876 +4548,6 @@
                                     <p:animEffect transition="in" filter="checkerboard(across)">
                                       <p:cBhvr>
                                         <p:cTn id="7" dur="500"/>
-                                        <p:tgtEl>
-                                          <p:spTgt spid="5"/>
-                                        </p:tgtEl>
-                                      </p:cBhvr>
-                                    </p:animEffect>
-                                  </p:childTnLst>
-                                </p:cTn>
-                              </p:par>
-                            </p:childTnLst>
-                          </p:cTn>
-                        </p:par>
-                      </p:childTnLst>
-                    </p:cTn>
-                  </p:par>
-                  <p:par>
-                    <p:cTn id="8" fill="hold">
-                      <p:stCondLst>
-                        <p:cond delay="indefinite"/>
-                      </p:stCondLst>
-                      <p:childTnLst>
-                        <p:par>
-                          <p:cTn id="9" fill="hold">
-                            <p:stCondLst>
-                              <p:cond delay="0"/>
-                            </p:stCondLst>
-                            <p:childTnLst>
-                              <p:par>
-                                <p:cTn id="10" presetID="3" presetClass="entr" presetSubtype="10" fill="hold" grpId="0" nodeType="clickEffect">
-                                  <p:stCondLst>
-                                    <p:cond delay="0"/>
-                                  </p:stCondLst>
-                                  <p:childTnLst>
-                                    <p:set>
-                                      <p:cBhvr>
-                                        <p:cTn id="11" dur="1" fill="hold">
-                                          <p:stCondLst>
-                                            <p:cond delay="0"/>
-                                          </p:stCondLst>
-                                        </p:cTn>
-                                        <p:tgtEl>
-                                          <p:spTgt spid="2"/>
-                                        </p:tgtEl>
-                                        <p:attrNameLst>
-                                          <p:attrName>style.visibility</p:attrName>
-                                        </p:attrNameLst>
-                                      </p:cBhvr>
-                                      <p:to>
-                                        <p:strVal val="visible"/>
-                                      </p:to>
-                                    </p:set>
-                                    <p:animEffect transition="in" filter="blinds(horizontal)">
-                                      <p:cBhvr>
-                                        <p:cTn id="12" dur="500"/>
-                                        <p:tgtEl>
-                                          <p:spTgt spid="2"/>
-                                        </p:tgtEl>
-                                      </p:cBhvr>
-                                    </p:animEffect>
-                                  </p:childTnLst>
-                                </p:cTn>
-                              </p:par>
-                            </p:childTnLst>
-                          </p:cTn>
-                        </p:par>
-                      </p:childTnLst>
-                    </p:cTn>
-                  </p:par>
-                  <p:par>
-                    <p:cTn id="13" fill="hold">
-                      <p:stCondLst>
-                        <p:cond delay="indefinite"/>
-                      </p:stCondLst>
-                      <p:childTnLst>
-                        <p:par>
-                          <p:cTn id="14" fill="hold">
-                            <p:stCondLst>
-                              <p:cond delay="0"/>
-                            </p:stCondLst>
-                            <p:childTnLst>
-                              <p:par>
-                                <p:cTn id="15" presetID="3" presetClass="entr" presetSubtype="10" fill="hold" grpId="0" nodeType="clickEffect">
-                                  <p:stCondLst>
-                                    <p:cond delay="0"/>
-                                  </p:stCondLst>
-                                  <p:childTnLst>
-                                    <p:set>
-                                      <p:cBhvr>
-                                        <p:cTn id="16" dur="1" fill="hold">
-                                          <p:stCondLst>
-                                            <p:cond delay="0"/>
-                                          </p:stCondLst>
-                                        </p:cTn>
-                                        <p:tgtEl>
-                                          <p:spTgt spid="6"/>
-                                        </p:tgtEl>
-                                        <p:attrNameLst>
-                                          <p:attrName>style.visibility</p:attrName>
-                                        </p:attrNameLst>
-                                      </p:cBhvr>
-                                      <p:to>
-                                        <p:strVal val="visible"/>
-                                      </p:to>
-                                    </p:set>
-                                    <p:animEffect transition="in" filter="blinds(horizontal)">
-                                      <p:cBhvr>
-                                        <p:cTn id="17" dur="500"/>
-                                        <p:tgtEl>
-                                          <p:spTgt spid="6"/>
-                                        </p:tgtEl>
-                                      </p:cBhvr>
-                                    </p:animEffect>
-                                  </p:childTnLst>
-                                </p:cTn>
-                              </p:par>
-                            </p:childTnLst>
-                          </p:cTn>
-                        </p:par>
-                      </p:childTnLst>
-                    </p:cTn>
-                  </p:par>
-                  <p:par>
-                    <p:cTn id="18" fill="hold">
-                      <p:stCondLst>
-                        <p:cond delay="indefinite"/>
-                      </p:stCondLst>
-                      <p:childTnLst>
-                        <p:par>
-                          <p:cTn id="19" fill="hold">
-                            <p:stCondLst>
-                              <p:cond delay="0"/>
-                            </p:stCondLst>
-                            <p:childTnLst>
-                              <p:par>
-                                <p:cTn id="20" presetID="3" presetClass="entr" presetSubtype="10" fill="hold" grpId="0" nodeType="clickEffect">
-                                  <p:stCondLst>
-                                    <p:cond delay="0"/>
-                                  </p:stCondLst>
-                                  <p:childTnLst>
-                                    <p:set>
-                                      <p:cBhvr>
-                                        <p:cTn id="21" dur="1" fill="hold">
-                                          <p:stCondLst>
-                                            <p:cond delay="0"/>
-                                          </p:stCondLst>
-                                        </p:cTn>
-                                        <p:tgtEl>
-                                          <p:spTgt spid="7"/>
-                                        </p:tgtEl>
-                                        <p:attrNameLst>
-                                          <p:attrName>style.visibility</p:attrName>
-                                        </p:attrNameLst>
-                                      </p:cBhvr>
-                                      <p:to>
-                                        <p:strVal val="visible"/>
-                                      </p:to>
-                                    </p:set>
-                                    <p:animEffect transition="in" filter="blinds(horizontal)">
-                                      <p:cBhvr>
-                                        <p:cTn id="22" dur="500"/>
-                                        <p:tgtEl>
-                                          <p:spTgt spid="7"/>
-                                        </p:tgtEl>
-                                      </p:cBhvr>
-                                    </p:animEffect>
-                                  </p:childTnLst>
-                                </p:cTn>
-                              </p:par>
-                            </p:childTnLst>
-                          </p:cTn>
-                        </p:par>
-                      </p:childTnLst>
-                    </p:cTn>
-                  </p:par>
-                </p:childTnLst>
-              </p:cTn>
-              <p:prevCondLst>
-                <p:cond evt="onPrev" delay="0">
-                  <p:tgtEl>
-                    <p:sldTgt/>
-                  </p:tgtEl>
-                </p:cond>
-              </p:prevCondLst>
-              <p:nextCondLst>
-                <p:cond evt="onNext" delay="0">
-                  <p:tgtEl>
-                    <p:sldTgt/>
-                  </p:tgtEl>
-                </p:cond>
-              </p:nextCondLst>
-            </p:seq>
-          </p:childTnLst>
-        </p:cTn>
-      </p:par>
-    </p:tnLst>
-    <p:bldLst>
-      <p:bldP spid="2" grpId="0" animBg="1"/>
-      <p:bldP spid="6" grpId="0" animBg="1"/>
-      <p:bldP spid="7" grpId="0" animBg="1"/>
-    </p:bldLst>
-  </p:timing>
-</p:sld>
-</file>
-
-<file path=ppt/slides/slide5.xml><?xml version="1.0" encoding="utf-8"?>
-<p:sld xmlns:a="http://schemas.openxmlformats.org/drawingml/2006/main" xmlns:r="http://schemas.openxmlformats.org/officeDocument/2006/relationships" xmlns:p="http://schemas.openxmlformats.org/presentationml/2006/main">
-  <p:cSld>
-    <p:spTree>
-      <p:nvGrpSpPr>
-        <p:cNvPr id="1" name=""/>
-        <p:cNvGrpSpPr/>
-        <p:nvPr/>
-      </p:nvGrpSpPr>
-      <p:grpSpPr>
-        <a:xfrm>
-          <a:off x="0" y="0"/>
-          <a:ext cx="0" cy="0"/>
-          <a:chOff x="0" y="0"/>
-          <a:chExt cx="0" cy="0"/>
-        </a:xfrm>
-      </p:grpSpPr>
-      <p:sp>
-        <p:nvSpPr>
-          <p:cNvPr id="3" name="제목 2"/>
-          <p:cNvSpPr>
-            <a:spLocks noGrp="1"/>
-          </p:cNvSpPr>
-          <p:nvPr>
-            <p:ph type="title"/>
-          </p:nvPr>
-        </p:nvSpPr>
-        <p:spPr/>
-        <p:txBody>
-          <a:bodyPr/>
-          <a:lstStyle/>
-          <a:p>
-            <a:r>
-              <a:rPr kumimoji="1" lang="en-US" altLang="ko-KR" dirty="0" smtClean="0"/>
-              <a:t>Load and store</a:t>
-            </a:r>
-            <a:endParaRPr kumimoji="1" lang="ko-KR" altLang="en-US" dirty="0"/>
-          </a:p>
-        </p:txBody>
-      </p:sp>
-      <p:sp>
-        <p:nvSpPr>
-          <p:cNvPr id="4" name="슬라이드 번호 개체 틀 3"/>
-          <p:cNvSpPr>
-            <a:spLocks noGrp="1"/>
-          </p:cNvSpPr>
-          <p:nvPr>
-            <p:ph type="sldNum" sz="quarter" idx="12"/>
-          </p:nvPr>
-        </p:nvSpPr>
-        <p:spPr/>
-        <p:txBody>
-          <a:bodyPr/>
-          <a:lstStyle/>
-          <a:p>
-            <a:fld id="{4CA1D5AE-3018-49FC-B3E0-A1E0E9567469}" type="slidenum">
-              <a:rPr lang="ko-KR" altLang="en-US" smtClean="0"/>
-              <a:pPr/>
-              <a:t>5</a:t>
-            </a:fld>
-            <a:endParaRPr lang="ko-KR" altLang="en-US"/>
-          </a:p>
-        </p:txBody>
-      </p:sp>
-      <p:pic>
-        <p:nvPicPr>
-          <p:cNvPr id="5" name="그림 4"/>
-          <p:cNvPicPr>
-            <a:picLocks noChangeAspect="1"/>
-          </p:cNvPicPr>
-          <p:nvPr/>
-        </p:nvPicPr>
-        <p:blipFill>
-          <a:blip r:embed="rId2"/>
-          <a:stretch>
-            <a:fillRect/>
-          </a:stretch>
-        </p:blipFill>
-        <p:spPr>
-          <a:xfrm>
-            <a:off x="1187624" y="908720"/>
-            <a:ext cx="6716765" cy="5892814"/>
-          </a:xfrm>
-          <a:prstGeom prst="rect">
-            <a:avLst/>
-          </a:prstGeom>
-        </p:spPr>
-      </p:pic>
-    </p:spTree>
-    <p:extLst>
-      <p:ext uri="{BB962C8B-B14F-4D97-AF65-F5344CB8AC3E}">
-        <p14:creationId xmlns:p14="http://schemas.microsoft.com/office/powerpoint/2010/main" val="83338675"/>
-      </p:ext>
-    </p:extLst>
-  </p:cSld>
-  <p:clrMapOvr>
-    <a:masterClrMapping/>
-  </p:clrMapOvr>
-  <p:timing>
-    <p:tnLst>
-      <p:par>
-        <p:cTn id="1" dur="indefinite" restart="never" nodeType="tmRoot">
-          <p:childTnLst>
-            <p:seq concurrent="1" nextAc="seek">
-              <p:cTn id="2" dur="indefinite" nodeType="mainSeq">
-                <p:childTnLst>
-                  <p:par>
-                    <p:cTn id="3" fill="hold">
-                      <p:stCondLst>
-                        <p:cond delay="indefinite"/>
-                      </p:stCondLst>
-                      <p:childTnLst>
-                        <p:par>
-                          <p:cTn id="4" fill="hold">
-                            <p:stCondLst>
-                              <p:cond delay="0"/>
-                            </p:stCondLst>
-                            <p:childTnLst>
-                              <p:par>
-                                <p:cTn id="5" presetID="5" presetClass="entr" presetSubtype="10" fill="hold" nodeType="clickEffect">
-                                  <p:stCondLst>
-                                    <p:cond delay="0"/>
-                                  </p:stCondLst>
-                                  <p:childTnLst>
-                                    <p:set>
-                                      <p:cBhvr>
-                                        <p:cTn id="6" dur="1" fill="hold">
-                                          <p:stCondLst>
-                                            <p:cond delay="0"/>
-                                          </p:stCondLst>
-                                        </p:cTn>
-                                        <p:tgtEl>
-                                          <p:spTgt spid="5"/>
-                                        </p:tgtEl>
-                                        <p:attrNameLst>
-                                          <p:attrName>style.visibility</p:attrName>
-                                        </p:attrNameLst>
-                                      </p:cBhvr>
-                                      <p:to>
-                                        <p:strVal val="visible"/>
-                                      </p:to>
-                                    </p:set>
-                                    <p:animEffect transition="in" filter="checkerboard(across)">
-                                      <p:cBhvr>
-                                        <p:cTn id="7" dur="500"/>
-                                        <p:tgtEl>
-                                          <p:spTgt spid="5"/>
-                                        </p:tgtEl>
-                                      </p:cBhvr>
-                                    </p:animEffect>
-                                  </p:childTnLst>
-                                </p:cTn>
-                              </p:par>
-                            </p:childTnLst>
-                          </p:cTn>
-                        </p:par>
-                      </p:childTnLst>
-                    </p:cTn>
-                  </p:par>
-                </p:childTnLst>
-              </p:cTn>
-              <p:prevCondLst>
-                <p:cond evt="onPrev" delay="0">
-                  <p:tgtEl>
-                    <p:sldTgt/>
-                  </p:tgtEl>
-                </p:cond>
-              </p:prevCondLst>
-              <p:nextCondLst>
-                <p:cond evt="onNext" delay="0">
-                  <p:tgtEl>
-                    <p:sldTgt/>
-                  </p:tgtEl>
-                </p:cond>
-              </p:nextCondLst>
-            </p:seq>
-          </p:childTnLst>
-        </p:cTn>
-      </p:par>
-    </p:tnLst>
-  </p:timing>
-</p:sld>
-</file>
-
-<file path=ppt/slides/slide6.xml><?xml version="1.0" encoding="utf-8"?>
-<p:sld xmlns:a="http://schemas.openxmlformats.org/drawingml/2006/main" xmlns:r="http://schemas.openxmlformats.org/officeDocument/2006/relationships" xmlns:p="http://schemas.openxmlformats.org/presentationml/2006/main">
-  <p:cSld>
-    <p:spTree>
-      <p:nvGrpSpPr>
-        <p:cNvPr id="1" name=""/>
-        <p:cNvGrpSpPr/>
-        <p:nvPr/>
-      </p:nvGrpSpPr>
-      <p:grpSpPr>
-        <a:xfrm>
-          <a:off x="0" y="0"/>
-          <a:ext cx="0" cy="0"/>
-          <a:chOff x="0" y="0"/>
-          <a:chExt cx="0" cy="0"/>
-        </a:xfrm>
-      </p:grpSpPr>
-      <p:sp>
-        <p:nvSpPr>
-          <p:cNvPr id="3" name="제목 2"/>
-          <p:cNvSpPr>
-            <a:spLocks noGrp="1"/>
-          </p:cNvSpPr>
-          <p:nvPr>
-            <p:ph type="title"/>
-          </p:nvPr>
-        </p:nvSpPr>
-        <p:spPr/>
-        <p:txBody>
-          <a:bodyPr/>
-          <a:lstStyle/>
-          <a:p>
-            <a:r>
-              <a:rPr kumimoji="1" lang="en-US" altLang="ko-KR" dirty="0" smtClean="0"/>
-              <a:t>Plot</a:t>
-            </a:r>
-            <a:endParaRPr kumimoji="1" lang="ko-KR" altLang="en-US" dirty="0"/>
-          </a:p>
-        </p:txBody>
-      </p:sp>
-      <p:sp>
-        <p:nvSpPr>
-          <p:cNvPr id="4" name="슬라이드 번호 개체 틀 3"/>
-          <p:cNvSpPr>
-            <a:spLocks noGrp="1"/>
-          </p:cNvSpPr>
-          <p:nvPr>
-            <p:ph type="sldNum" sz="quarter" idx="12"/>
-          </p:nvPr>
-        </p:nvSpPr>
-        <p:spPr/>
-        <p:txBody>
-          <a:bodyPr/>
-          <a:lstStyle/>
-          <a:p>
-            <a:fld id="{4CA1D5AE-3018-49FC-B3E0-A1E0E9567469}" type="slidenum">
-              <a:rPr lang="ko-KR" altLang="en-US" smtClean="0"/>
-              <a:pPr/>
-              <a:t>6</a:t>
-            </a:fld>
-            <a:endParaRPr lang="ko-KR" altLang="en-US"/>
-          </a:p>
-        </p:txBody>
-      </p:sp>
-      <p:pic>
-        <p:nvPicPr>
-          <p:cNvPr id="2" name="그림 1"/>
-          <p:cNvPicPr>
-            <a:picLocks noChangeAspect="1"/>
-          </p:cNvPicPr>
-          <p:nvPr/>
-        </p:nvPicPr>
-        <p:blipFill>
-          <a:blip r:embed="rId2"/>
-          <a:stretch>
-            <a:fillRect/>
-          </a:stretch>
-        </p:blipFill>
-        <p:spPr>
-          <a:xfrm>
-            <a:off x="482600" y="1289050"/>
-            <a:ext cx="8178800" cy="4279900"/>
-          </a:xfrm>
-          <a:prstGeom prst="rect">
-            <a:avLst/>
-          </a:prstGeom>
-        </p:spPr>
-      </p:pic>
-      <p:pic>
-        <p:nvPicPr>
-          <p:cNvPr id="5" name="그림 4"/>
-          <p:cNvPicPr>
-            <a:picLocks noChangeAspect="1"/>
-          </p:cNvPicPr>
-          <p:nvPr/>
-        </p:nvPicPr>
-        <p:blipFill>
-          <a:blip r:embed="rId3"/>
-          <a:stretch>
-            <a:fillRect/>
-          </a:stretch>
-        </p:blipFill>
-        <p:spPr>
-          <a:xfrm>
-            <a:off x="6156176" y="14886"/>
-            <a:ext cx="2324887" cy="6858000"/>
-          </a:xfrm>
-          <a:prstGeom prst="rect">
-            <a:avLst/>
-          </a:prstGeom>
-        </p:spPr>
-      </p:pic>
-    </p:spTree>
-    <p:extLst>
-      <p:ext uri="{BB962C8B-B14F-4D97-AF65-F5344CB8AC3E}">
-        <p14:creationId xmlns:p14="http://schemas.microsoft.com/office/powerpoint/2010/main" val="1379245407"/>
-      </p:ext>
-    </p:extLst>
-  </p:cSld>
-  <p:clrMapOvr>
-    <a:masterClrMapping/>
-  </p:clrMapOvr>
-  <p:timing>
-    <p:tnLst>
-      <p:par>
-        <p:cTn id="1" dur="indefinite" restart="never" nodeType="tmRoot">
-          <p:childTnLst>
-            <p:seq concurrent="1" nextAc="seek">
-              <p:cTn id="2" dur="indefinite" nodeType="mainSeq">
-                <p:childTnLst>
-                  <p:par>
-                    <p:cTn id="3" fill="hold">
-                      <p:stCondLst>
-                        <p:cond delay="indefinite"/>
-                      </p:stCondLst>
-                      <p:childTnLst>
-                        <p:par>
-                          <p:cTn id="4" fill="hold">
-                            <p:stCondLst>
-                              <p:cond delay="0"/>
-                            </p:stCondLst>
-                            <p:childTnLst>
-                              <p:par>
-                                <p:cTn id="5" presetID="5" presetClass="entr" presetSubtype="10" fill="hold" nodeType="clickEffect">
-                                  <p:stCondLst>
-                                    <p:cond delay="0"/>
-                                  </p:stCondLst>
-                                  <p:childTnLst>
-                                    <p:set>
-                                      <p:cBhvr>
-                                        <p:cTn id="6" dur="1" fill="hold">
-                                          <p:stCondLst>
-                                            <p:cond delay="0"/>
-                                          </p:stCondLst>
-                                        </p:cTn>
-                                        <p:tgtEl>
-                                          <p:spTgt spid="2"/>
-                                        </p:tgtEl>
-                                        <p:attrNameLst>
-                                          <p:attrName>style.visibility</p:attrName>
-                                        </p:attrNameLst>
-                                      </p:cBhvr>
-                                      <p:to>
-                                        <p:strVal val="visible"/>
-                                      </p:to>
-                                    </p:set>
-                                    <p:animEffect transition="in" filter="checkerboard(across)">
-                                      <p:cBhvr>
-                                        <p:cTn id="7" dur="500"/>
-                                        <p:tgtEl>
-                                          <p:spTgt spid="2"/>
-                                        </p:tgtEl>
-                                      </p:cBhvr>
-                                    </p:animEffect>
-                                  </p:childTnLst>
-                                </p:cTn>
-                              </p:par>
-                            </p:childTnLst>
-                          </p:cTn>
-                        </p:par>
-                      </p:childTnLst>
-                    </p:cTn>
-                  </p:par>
-                  <p:par>
-                    <p:cTn id="8" fill="hold">
-                      <p:stCondLst>
-                        <p:cond delay="indefinite"/>
-                      </p:stCondLst>
-                      <p:childTnLst>
-                        <p:par>
-                          <p:cTn id="9" fill="hold">
-                            <p:stCondLst>
-                              <p:cond delay="0"/>
-                            </p:stCondLst>
-                            <p:childTnLst>
-                              <p:par>
-                                <p:cTn id="10" presetID="5" presetClass="entr" presetSubtype="10" fill="hold" nodeType="clickEffect">
-                                  <p:stCondLst>
-                                    <p:cond delay="0"/>
-                                  </p:stCondLst>
-                                  <p:childTnLst>
-                                    <p:set>
-                                      <p:cBhvr>
-                                        <p:cTn id="11" dur="1" fill="hold">
-                                          <p:stCondLst>
-                                            <p:cond delay="0"/>
-                                          </p:stCondLst>
-                                        </p:cTn>
-                                        <p:tgtEl>
-                                          <p:spTgt spid="5"/>
-                                        </p:tgtEl>
-                                        <p:attrNameLst>
-                                          <p:attrName>style.visibility</p:attrName>
-                                        </p:attrNameLst>
-                                      </p:cBhvr>
-                                      <p:to>
-                                        <p:strVal val="visible"/>
-                                      </p:to>
-                                    </p:set>
-                                    <p:animEffect transition="in" filter="checkerboard(across)">
-                                      <p:cBhvr>
-                                        <p:cTn id="12" dur="500"/>
-                                        <p:tgtEl>
-                                          <p:spTgt spid="5"/>
-                                        </p:tgtEl>
-                                      </p:cBhvr>
-                                    </p:animEffect>
-                                  </p:childTnLst>
-                                </p:cTn>
-                              </p:par>
-                            </p:childTnLst>
-                          </p:cTn>
-                        </p:par>
-                      </p:childTnLst>
-                    </p:cTn>
-                  </p:par>
-                </p:childTnLst>
-              </p:cTn>
-              <p:prevCondLst>
-                <p:cond evt="onPrev" delay="0">
-                  <p:tgtEl>
-                    <p:sldTgt/>
-                  </p:tgtEl>
-                </p:cond>
-              </p:prevCondLst>
-              <p:nextCondLst>
-                <p:cond evt="onNext" delay="0">
-                  <p:tgtEl>
-                    <p:sldTgt/>
-                  </p:tgtEl>
-                </p:cond>
-              </p:nextCondLst>
-            </p:seq>
-          </p:childTnLst>
-        </p:cTn>
-      </p:par>
-    </p:tnLst>
-  </p:timing>
-</p:sld>
-</file>
-
-<file path=ppt/slides/slide7.xml><?xml version="1.0" encoding="utf-8"?>
-<p:sld xmlns:a="http://schemas.openxmlformats.org/drawingml/2006/main" xmlns:r="http://schemas.openxmlformats.org/officeDocument/2006/relationships" xmlns:p="http://schemas.openxmlformats.org/presentationml/2006/main">
-  <p:cSld>
-    <p:spTree>
-      <p:nvGrpSpPr>
-        <p:cNvPr id="1" name=""/>
-        <p:cNvGrpSpPr/>
-        <p:nvPr/>
-      </p:nvGrpSpPr>
-      <p:grpSpPr>
-        <a:xfrm>
-          <a:off x="0" y="0"/>
-          <a:ext cx="0" cy="0"/>
-          <a:chOff x="0" y="0"/>
-          <a:chExt cx="0" cy="0"/>
-        </a:xfrm>
-      </p:grpSpPr>
-      <p:sp>
-        <p:nvSpPr>
-          <p:cNvPr id="3" name="제목 2"/>
-          <p:cNvSpPr>
-            <a:spLocks noGrp="1"/>
-          </p:cNvSpPr>
-          <p:nvPr>
-            <p:ph type="title"/>
-          </p:nvPr>
-        </p:nvSpPr>
-        <p:spPr/>
-        <p:txBody>
-          <a:bodyPr/>
-          <a:lstStyle/>
-          <a:p>
-            <a:r>
-              <a:rPr kumimoji="1" lang="en-US" altLang="ko-KR" dirty="0" smtClean="0"/>
-              <a:t>Batch </a:t>
-            </a:r>
-            <a:endParaRPr kumimoji="1" lang="ko-KR" altLang="en-US" dirty="0"/>
-          </a:p>
-        </p:txBody>
-      </p:sp>
-      <p:sp>
-        <p:nvSpPr>
-          <p:cNvPr id="4" name="슬라이드 번호 개체 틀 3"/>
-          <p:cNvSpPr>
-            <a:spLocks noGrp="1"/>
-          </p:cNvSpPr>
-          <p:nvPr>
-            <p:ph type="sldNum" sz="quarter" idx="12"/>
-          </p:nvPr>
-        </p:nvSpPr>
-        <p:spPr/>
-        <p:txBody>
-          <a:bodyPr/>
-          <a:lstStyle/>
-          <a:p>
-            <a:fld id="{4CA1D5AE-3018-49FC-B3E0-A1E0E9567469}" type="slidenum">
-              <a:rPr lang="ko-KR" altLang="en-US" smtClean="0"/>
-              <a:pPr/>
-              <a:t>7</a:t>
-            </a:fld>
-            <a:endParaRPr lang="ko-KR" altLang="en-US"/>
-          </a:p>
-        </p:txBody>
-      </p:sp>
-      <p:pic>
-        <p:nvPicPr>
-          <p:cNvPr id="2" name="그림 1"/>
-          <p:cNvPicPr>
-            <a:picLocks noChangeAspect="1"/>
-          </p:cNvPicPr>
-          <p:nvPr/>
-        </p:nvPicPr>
-        <p:blipFill>
-          <a:blip r:embed="rId2"/>
-          <a:stretch>
-            <a:fillRect/>
-          </a:stretch>
-        </p:blipFill>
-        <p:spPr>
-          <a:xfrm>
-            <a:off x="450850" y="1365250"/>
-            <a:ext cx="8242300" cy="4127500"/>
-          </a:xfrm>
-          <a:prstGeom prst="rect">
-            <a:avLst/>
-          </a:prstGeom>
-        </p:spPr>
-      </p:pic>
-      <p:pic>
-        <p:nvPicPr>
-          <p:cNvPr id="5" name="그림 4"/>
-          <p:cNvPicPr>
-            <a:picLocks noChangeAspect="1"/>
-          </p:cNvPicPr>
-          <p:nvPr/>
-        </p:nvPicPr>
-        <p:blipFill>
-          <a:blip r:embed="rId3"/>
-          <a:stretch>
-            <a:fillRect/>
-          </a:stretch>
-        </p:blipFill>
-        <p:spPr>
-          <a:xfrm>
-            <a:off x="6372200" y="44624"/>
-            <a:ext cx="2222192" cy="6858000"/>
-          </a:xfrm>
-          <a:prstGeom prst="rect">
-            <a:avLst/>
-          </a:prstGeom>
-        </p:spPr>
-      </p:pic>
-    </p:spTree>
-    <p:extLst>
-      <p:ext uri="{BB962C8B-B14F-4D97-AF65-F5344CB8AC3E}">
-        <p14:creationId xmlns:p14="http://schemas.microsoft.com/office/powerpoint/2010/main" val="1039069731"/>
-      </p:ext>
-    </p:extLst>
-  </p:cSld>
-  <p:clrMapOvr>
-    <a:masterClrMapping/>
-  </p:clrMapOvr>
-  <p:timing>
-    <p:tnLst>
-      <p:par>
-        <p:cTn id="1" dur="indefinite" restart="never" nodeType="tmRoot">
-          <p:childTnLst>
-            <p:seq concurrent="1" nextAc="seek">
-              <p:cTn id="2" dur="indefinite" nodeType="mainSeq">
-                <p:childTnLst>
-                  <p:par>
-                    <p:cTn id="3" fill="hold">
-                      <p:stCondLst>
-                        <p:cond delay="indefinite"/>
-                      </p:stCondLst>
-                      <p:childTnLst>
-                        <p:par>
-                          <p:cTn id="4" fill="hold">
-                            <p:stCondLst>
-                              <p:cond delay="0"/>
-                            </p:stCondLst>
-                            <p:childTnLst>
-                              <p:par>
-                                <p:cTn id="5" presetID="5" presetClass="entr" presetSubtype="10" fill="hold" nodeType="clickEffect">
-                                  <p:stCondLst>
-                                    <p:cond delay="0"/>
-                                  </p:stCondLst>
-                                  <p:childTnLst>
-                                    <p:set>
-                                      <p:cBhvr>
-                                        <p:cTn id="6" dur="1" fill="hold">
-                                          <p:stCondLst>
-                                            <p:cond delay="0"/>
-                                          </p:stCondLst>
-                                        </p:cTn>
-                                        <p:tgtEl>
-                                          <p:spTgt spid="2"/>
-                                        </p:tgtEl>
-                                        <p:attrNameLst>
-                                          <p:attrName>style.visibility</p:attrName>
-                                        </p:attrNameLst>
-                                      </p:cBhvr>
-                                      <p:to>
-                                        <p:strVal val="visible"/>
-                                      </p:to>
-                                    </p:set>
-                                    <p:animEffect transition="in" filter="checkerboard(across)">
-                                      <p:cBhvr>
-                                        <p:cTn id="7" dur="500"/>
-                                        <p:tgtEl>
-                                          <p:spTgt spid="2"/>
-                                        </p:tgtEl>
-                                      </p:cBhvr>
-                                    </p:animEffect>
-                                  </p:childTnLst>
-                                </p:cTn>
-                              </p:par>
-                            </p:childTnLst>
-                          </p:cTn>
-                        </p:par>
-                      </p:childTnLst>
-                    </p:cTn>
-                  </p:par>
-                  <p:par>
-                    <p:cTn id="8" fill="hold">
-                      <p:stCondLst>
-                        <p:cond delay="indefinite"/>
-                      </p:stCondLst>
-                      <p:childTnLst>
-                        <p:par>
-                          <p:cTn id="9" fill="hold">
-                            <p:stCondLst>
-                              <p:cond delay="0"/>
-                            </p:stCondLst>
-                            <p:childTnLst>
-                              <p:par>
-                                <p:cTn id="10" presetID="5" presetClass="entr" presetSubtype="10" fill="hold" nodeType="clickEffect">
-                                  <p:stCondLst>
-                                    <p:cond delay="0"/>
-                                  </p:stCondLst>
-                                  <p:childTnLst>
-                                    <p:set>
-                                      <p:cBhvr>
-                                        <p:cTn id="11" dur="1" fill="hold">
-                                          <p:stCondLst>
-                                            <p:cond delay="0"/>
-                                          </p:stCondLst>
-                                        </p:cTn>
-                                        <p:tgtEl>
-                                          <p:spTgt spid="5"/>
-                                        </p:tgtEl>
-                                        <p:attrNameLst>
-                                          <p:attrName>style.visibility</p:attrName>
-                                        </p:attrNameLst>
-                                      </p:cBhvr>
-                                      <p:to>
-                                        <p:strVal val="visible"/>
-                                      </p:to>
-                                    </p:set>
-                                    <p:animEffect transition="in" filter="checkerboard(across)">
-                                      <p:cBhvr>
-                                        <p:cTn id="12" dur="500"/>
                                         <p:tgtEl>
                                           <p:spTgt spid="5"/>
                                         </p:tgtEl>
